--- a/Presentation1.pptx
+++ b/Presentation1.pptx
@@ -4237,32 +4237,32 @@
               <a:buChar char="•"/>
             </a:pPr>
             <a:r>
+              <a:rPr lang="en-US" b="1" dirty="0" smtClean="0">
+                <a:solidFill>
+                  <a:srgbClr val="FFFF00"/>
+                </a:solidFill>
+              </a:rPr>
+              <a:t>OUR SOLUTION FACILITATES PROACTIVE DECISION MAKING</a:t>
+            </a:r>
+          </a:p>
+          <a:p>
+            <a:pPr algn="l">
+              <a:buFont typeface="Arial" pitchFamily="34" charset="0"/>
+              <a:buChar char="•"/>
+            </a:pPr>
+            <a:r>
               <a:rPr lang="en-US" b="1" smtClean="0">
                 <a:solidFill>
                   <a:srgbClr val="FFFF00"/>
                 </a:solidFill>
               </a:rPr>
-              <a:t>OUR SOLUTION FACILITATES PROACTIVE DECISION MAKING</a:t>
+              <a:t>FULFILLS REQUIREMENTS OF LOGISTICS BASED ON 3PL’S/4PL’S</a:t>
             </a:r>
             <a:endParaRPr lang="en-US" b="1" dirty="0" smtClean="0">
               <a:solidFill>
                 <a:srgbClr val="FFFF00"/>
               </a:solidFill>
             </a:endParaRPr>
-          </a:p>
-          <a:p>
-            <a:pPr algn="l">
-              <a:buFont typeface="Arial" pitchFamily="34" charset="0"/>
-              <a:buChar char="•"/>
-            </a:pPr>
-            <a:r>
-              <a:rPr lang="en-US" b="1" dirty="0" smtClean="0">
-                <a:solidFill>
-                  <a:srgbClr val="FFFF00"/>
-                </a:solidFill>
-              </a:rPr>
-              <a:t>THE PROCESS IS SYNCHRONOUS</a:t>
-            </a:r>
           </a:p>
           <a:p>
             <a:pPr algn="l"/>
@@ -4375,7 +4375,7 @@
               <a:buChar char="•"/>
             </a:pPr>
             <a:r>
-              <a:rPr lang="en-US" smtClean="0"/>
+              <a:rPr lang="en-US" dirty="0" smtClean="0"/>
               <a:t>USER FRIENDLY</a:t>
             </a:r>
           </a:p>
@@ -4384,6 +4384,28 @@
               <a:buFont typeface="Arial" pitchFamily="34" charset="0"/>
               <a:buChar char="•"/>
             </a:pPr>
+            <a:r>
+              <a:rPr lang="en-US" dirty="0" smtClean="0"/>
+              <a:t>EASE OF SENDING/RECEIVING</a:t>
+            </a:r>
+          </a:p>
+          <a:p>
+            <a:pPr algn="l"/>
+            <a:r>
+              <a:rPr lang="en-US" dirty="0" smtClean="0"/>
+              <a:t>PACKAGES</a:t>
+            </a:r>
+          </a:p>
+          <a:p>
+            <a:pPr algn="l"/>
+            <a:endParaRPr lang="en-US" dirty="0" smtClean="0"/>
+          </a:p>
+          <a:p>
+            <a:pPr algn="l"/>
+            <a:r>
+              <a:rPr lang="en-US" dirty="0" smtClean="0"/>
+              <a:t> </a:t>
+            </a:r>
             <a:endParaRPr lang="en-GB" dirty="0"/>
           </a:p>
         </p:txBody>
